--- a/６．【電源電位申告書】神戸高専A.pptx
+++ b/６．【電源電位申告書】神戸高専A.pptx
@@ -258,7 +258,7 @@
       </p15:sldGuideLst>
     </p:ext>
     <p:ext uri="http://customooxmlschemas.google.com/">
-      <go:slidesCustomData xmlns:go="http://customooxmlschemas.google.com/" xmlns:ahyp="http://schemas.microsoft.com/office/drawing/2018/hyperlinkcolor" xmlns:p15="http://schemas.microsoft.com/office/powerpoint/2012/main" xmlns:p14="http://schemas.microsoft.com/office/powerpoint/2010/main" xmlns:com="http://schemas.openxmlformats.org/drawingml/2006/compatibility" xmlns:pvml="urn:schemas-microsoft-com:office:powerpoint" xmlns:v="urn:schemas-microsoft-com:vml" xmlns:o="urn:schemas-microsoft-com:office:office" xmlns:dgm="http://schemas.openxmlformats.org/drawingml/2006/diagram" xmlns:c="http://schemas.openxmlformats.org/drawingml/2006/chart" xmlns:mv="urn:schemas-microsoft-com:mac:vml" xmlns:mc="http://schemas.openxmlformats.org/markup-compatibility/2006" xmlns="" r:id="rId11" roundtripDataSignature="AMtx7miF2fjcER+5fSP4KnQ88vKd8HvlMQ=="/>
+      <go:slidesCustomData xmlns="" xmlns:mc="http://schemas.openxmlformats.org/markup-compatibility/2006" xmlns:mv="urn:schemas-microsoft-com:mac:vml" xmlns:c="http://schemas.openxmlformats.org/drawingml/2006/chart" xmlns:dgm="http://schemas.openxmlformats.org/drawingml/2006/diagram" xmlns:o="urn:schemas-microsoft-com:office:office" xmlns:v="urn:schemas-microsoft-com:vml" xmlns:pvml="urn:schemas-microsoft-com:office:powerpoint" xmlns:com="http://schemas.openxmlformats.org/drawingml/2006/compatibility" xmlns:p14="http://schemas.microsoft.com/office/powerpoint/2010/main" xmlns:p15="http://schemas.microsoft.com/office/powerpoint/2012/main" xmlns:ahyp="http://schemas.microsoft.com/office/drawing/2018/hyperlinkcolor" xmlns:go="http://customooxmlschemas.google.com/" r:id="rId11" roundtripDataSignature="AMtx7miF2fjcER+5fSP4KnQ88vKd8HvlMQ=="/>
     </p:ext>
   </p:extLst>
 </p:presentation>

--- a/６．【電源電位申告書】神戸高専A.pptx
+++ b/６．【電源電位申告書】神戸高専A.pptx
@@ -258,7 +258,7 @@
       </p15:sldGuideLst>
     </p:ext>
     <p:ext uri="http://customooxmlschemas.google.com/">
-      <go:slidesCustomData xmlns="" xmlns:mc="http://schemas.openxmlformats.org/markup-compatibility/2006" xmlns:mv="urn:schemas-microsoft-com:mac:vml" xmlns:c="http://schemas.openxmlformats.org/drawingml/2006/chart" xmlns:dgm="http://schemas.openxmlformats.org/drawingml/2006/diagram" xmlns:o="urn:schemas-microsoft-com:office:office" xmlns:v="urn:schemas-microsoft-com:vml" xmlns:pvml="urn:schemas-microsoft-com:office:powerpoint" xmlns:com="http://schemas.openxmlformats.org/drawingml/2006/compatibility" xmlns:p14="http://schemas.microsoft.com/office/powerpoint/2010/main" xmlns:p15="http://schemas.microsoft.com/office/powerpoint/2012/main" xmlns:ahyp="http://schemas.microsoft.com/office/drawing/2018/hyperlinkcolor" xmlns:go="http://customooxmlschemas.google.com/" r:id="rId11" roundtripDataSignature="AMtx7miF2fjcER+5fSP4KnQ88vKd8HvlMQ=="/>
+      <go:slidesCustomData xmlns:go="http://customooxmlschemas.google.com/" xmlns:ahyp="http://schemas.microsoft.com/office/drawing/2018/hyperlinkcolor" xmlns:p15="http://schemas.microsoft.com/office/powerpoint/2012/main" xmlns:p14="http://schemas.microsoft.com/office/powerpoint/2010/main" xmlns:com="http://schemas.openxmlformats.org/drawingml/2006/compatibility" xmlns:pvml="urn:schemas-microsoft-com:office:powerpoint" xmlns:v="urn:schemas-microsoft-com:vml" xmlns:o="urn:schemas-microsoft-com:office:office" xmlns:dgm="http://schemas.openxmlformats.org/drawingml/2006/diagram" xmlns:c="http://schemas.openxmlformats.org/drawingml/2006/chart" xmlns:mv="urn:schemas-microsoft-com:mac:vml" xmlns:mc="http://schemas.openxmlformats.org/markup-compatibility/2006" xmlns="" r:id="rId11" roundtripDataSignature="AMtx7miF2fjcER+5fSP4KnQ88vKd8HvlMQ=="/>
     </p:ext>
   </p:extLst>
 </p:presentation>
@@ -15927,7 +15927,7 @@
                 <a:cs typeface="Calibri"/>
                 <a:sym typeface="Calibri"/>
               </a:rPr>
-              <a:t>15A</a:t>
+              <a:t>15A×2</a:t>
             </a:r>
             <a:endParaRPr sz="1050" dirty="0">
               <a:solidFill>

--- a/６．【電源電位申告書】神戸高専A.pptx
+++ b/６．【電源電位申告書】神戸高専A.pptx
@@ -258,7 +258,7 @@
       </p15:sldGuideLst>
     </p:ext>
     <p:ext uri="http://customooxmlschemas.google.com/">
-      <go:slidesCustomData xmlns:go="http://customooxmlschemas.google.com/" xmlns:ahyp="http://schemas.microsoft.com/office/drawing/2018/hyperlinkcolor" xmlns:p15="http://schemas.microsoft.com/office/powerpoint/2012/main" xmlns:p14="http://schemas.microsoft.com/office/powerpoint/2010/main" xmlns:com="http://schemas.openxmlformats.org/drawingml/2006/compatibility" xmlns:pvml="urn:schemas-microsoft-com:office:powerpoint" xmlns:v="urn:schemas-microsoft-com:vml" xmlns:o="urn:schemas-microsoft-com:office:office" xmlns:dgm="http://schemas.openxmlformats.org/drawingml/2006/diagram" xmlns:c="http://schemas.openxmlformats.org/drawingml/2006/chart" xmlns:mv="urn:schemas-microsoft-com:mac:vml" xmlns:mc="http://schemas.openxmlformats.org/markup-compatibility/2006" xmlns="" r:id="rId11" roundtripDataSignature="AMtx7miF2fjcER+5fSP4KnQ88vKd8HvlMQ=="/>
+      <go:slidesCustomData xmlns="" xmlns:mc="http://schemas.openxmlformats.org/markup-compatibility/2006" xmlns:mv="urn:schemas-microsoft-com:mac:vml" xmlns:c="http://schemas.openxmlformats.org/drawingml/2006/chart" xmlns:dgm="http://schemas.openxmlformats.org/drawingml/2006/diagram" xmlns:o="urn:schemas-microsoft-com:office:office" xmlns:v="urn:schemas-microsoft-com:vml" xmlns:pvml="urn:schemas-microsoft-com:office:powerpoint" xmlns:com="http://schemas.openxmlformats.org/drawingml/2006/compatibility" xmlns:p14="http://schemas.microsoft.com/office/powerpoint/2010/main" xmlns:p15="http://schemas.microsoft.com/office/powerpoint/2012/main" xmlns:ahyp="http://schemas.microsoft.com/office/drawing/2018/hyperlinkcolor" xmlns:go="http://customooxmlschemas.google.com/" r:id="rId11" roundtripDataSignature="AMtx7miF2fjcER+5fSP4KnQ88vKd8HvlMQ=="/>
     </p:ext>
   </p:extLst>
 </p:presentation>
@@ -15098,43 +15098,7 @@
                 <a:cs typeface="Calibri"/>
                 <a:sym typeface="Calibri"/>
               </a:rPr>
-              <a:t>プロジェクト名　周回最速</a:t>
-            </a:r>
-            <a:r>
-              <a:rPr lang="en-US" altLang="ja-JP" sz="1800" dirty="0">
-                <a:solidFill>
-                  <a:schemeClr val="dk1"/>
-                </a:solidFill>
-                <a:latin typeface="Calibri"/>
-                <a:ea typeface="Calibri"/>
-                <a:cs typeface="Calibri"/>
-                <a:sym typeface="Calibri"/>
-              </a:rPr>
-              <a:t>(</a:t>
-            </a:r>
-            <a:r>
-              <a:rPr lang="ja-JP" altLang="en-US" sz="1800" dirty="0">
-                <a:solidFill>
-                  <a:schemeClr val="dk1"/>
-                </a:solidFill>
-                <a:latin typeface="Calibri"/>
-                <a:ea typeface="Calibri"/>
-                <a:cs typeface="Calibri"/>
-                <a:sym typeface="Calibri"/>
-              </a:rPr>
-              <a:t>仮</a:t>
-            </a:r>
-            <a:r>
-              <a:rPr lang="en-US" altLang="ja-JP" sz="1800" dirty="0">
-                <a:solidFill>
-                  <a:schemeClr val="dk1"/>
-                </a:solidFill>
-                <a:latin typeface="Calibri"/>
-                <a:ea typeface="Calibri"/>
-                <a:cs typeface="Calibri"/>
-                <a:sym typeface="Calibri"/>
-              </a:rPr>
-              <a:t>)</a:t>
+              <a:t>プロジェクト名　しゃなつね</a:t>
             </a:r>
             <a:endParaRPr sz="1800" dirty="0">
               <a:solidFill>
@@ -17636,7 +17600,7 @@
           </a:p>
           <a:p>
             <a:r>
-              <a:rPr lang="ja-JP" altLang="en-US" sz="1800" dirty="0">
+              <a:rPr lang="ja-JP" altLang="en-US" sz="1800">
                 <a:solidFill>
                   <a:schemeClr val="dk1"/>
                 </a:solidFill>
@@ -17645,43 +17609,7 @@
                 <a:cs typeface="Calibri"/>
                 <a:sym typeface="Calibri"/>
               </a:rPr>
-              <a:t>プロジェクト名　周回最速</a:t>
-            </a:r>
-            <a:r>
-              <a:rPr lang="en-US" altLang="ja-JP" sz="1800" dirty="0">
-                <a:solidFill>
-                  <a:schemeClr val="dk1"/>
-                </a:solidFill>
-                <a:latin typeface="Calibri"/>
-                <a:ea typeface="Calibri"/>
-                <a:cs typeface="Calibri"/>
-                <a:sym typeface="Calibri"/>
-              </a:rPr>
-              <a:t>(</a:t>
-            </a:r>
-            <a:r>
-              <a:rPr lang="ja-JP" altLang="en-US" sz="1800" dirty="0">
-                <a:solidFill>
-                  <a:schemeClr val="dk1"/>
-                </a:solidFill>
-                <a:latin typeface="Calibri"/>
-                <a:ea typeface="Calibri"/>
-                <a:cs typeface="Calibri"/>
-                <a:sym typeface="Calibri"/>
-              </a:rPr>
-              <a:t>仮</a:t>
-            </a:r>
-            <a:r>
-              <a:rPr lang="en-US" altLang="ja-JP" sz="1800" dirty="0">
-                <a:solidFill>
-                  <a:schemeClr val="dk1"/>
-                </a:solidFill>
-                <a:latin typeface="Calibri"/>
-                <a:ea typeface="Calibri"/>
-                <a:cs typeface="Calibri"/>
-                <a:sym typeface="Calibri"/>
-              </a:rPr>
-              <a:t>)</a:t>
+              <a:t>プロジェクト名　しゃなつね</a:t>
             </a:r>
             <a:endParaRPr sz="1800" dirty="0">
               <a:solidFill>
